--- a/Team ‘Lime’.pptx
+++ b/Team ‘Lime’.pptx
@@ -3136,7 +3136,7 @@
               <a:rPr lang="en-US" sz="8000" b="1" dirty="0" smtClean="0">
                 <a:ln w="12700">
                   <a:solidFill>
-                    <a:srgbClr val="FFFF00"/>
+                    <a:schemeClr val="tx1"/>
                   </a:solidFill>
                   <a:prstDash val="solid"/>
                 </a:ln>
@@ -3156,7 +3156,7 @@
             <a:endParaRPr lang="en-US" sz="8000" b="1" dirty="0">
               <a:ln w="12700">
                 <a:solidFill>
-                  <a:srgbClr val="FFFF00"/>
+                  <a:schemeClr val="tx1"/>
                 </a:solidFill>
                 <a:prstDash val="solid"/>
               </a:ln>
@@ -4335,6 +4335,36 @@
           </a:p>
         </p:txBody>
       </p:sp>
+      <p:pic>
+        <p:nvPicPr>
+          <p:cNvPr id="3" name="Picture 2"/>
+          <p:cNvPicPr>
+            <a:picLocks noChangeAspect="1"/>
+          </p:cNvPicPr>
+          <p:nvPr/>
+        </p:nvPicPr>
+        <p:blipFill>
+          <a:blip r:embed="rId2">
+            <a:extLst>
+              <a:ext uri="{28A0092B-C50C-407E-A947-70E740481C1C}">
+                <a14:useLocalDpi xmlns:a14="http://schemas.microsoft.com/office/drawing/2010/main" val="0"/>
+              </a:ext>
+            </a:extLst>
+          </a:blip>
+          <a:stretch>
+            <a:fillRect/>
+          </a:stretch>
+        </p:blipFill>
+        <p:spPr>
+          <a:xfrm>
+            <a:off x="516125" y="1676400"/>
+            <a:ext cx="8164065" cy="4220164"/>
+          </a:xfrm>
+          <a:prstGeom prst="rect">
+            <a:avLst/>
+          </a:prstGeom>
+        </p:spPr>
+      </p:pic>
     </p:spTree>
     <p:extLst>
       <p:ext uri="{BB962C8B-B14F-4D97-AF65-F5344CB8AC3E}">
@@ -4382,7 +4412,12 @@
             <p:ph type="title"/>
           </p:nvPr>
         </p:nvSpPr>
-        <p:spPr/>
+        <p:spPr>
+          <a:xfrm>
+            <a:off x="457200" y="88710"/>
+            <a:ext cx="8229600" cy="1143000"/>
+          </a:xfrm>
+        </p:spPr>
         <p:txBody>
           <a:bodyPr/>
           <a:lstStyle/>
@@ -4409,25 +4444,36 @@
           </a:p>
         </p:txBody>
       </p:sp>
-      <p:sp>
-        <p:nvSpPr>
-          <p:cNvPr id="3" name="Content Placeholder 2"/>
-          <p:cNvSpPr>
-            <a:spLocks noGrp="1"/>
-          </p:cNvSpPr>
-          <p:nvPr>
-            <p:ph idx="1"/>
-          </p:nvPr>
-        </p:nvSpPr>
-        <p:spPr/>
-        <p:txBody>
-          <a:bodyPr/>
-          <a:lstStyle/>
-          <a:p>
-            <a:endParaRPr lang="en-US" dirty="0"/>
-          </a:p>
-        </p:txBody>
-      </p:sp>
+      <p:pic>
+        <p:nvPicPr>
+          <p:cNvPr id="7" name="Picture 6"/>
+          <p:cNvPicPr>
+            <a:picLocks noChangeAspect="1"/>
+          </p:cNvPicPr>
+          <p:nvPr/>
+        </p:nvPicPr>
+        <p:blipFill>
+          <a:blip r:embed="rId2">
+            <a:extLst>
+              <a:ext uri="{28A0092B-C50C-407E-A947-70E740481C1C}">
+                <a14:useLocalDpi xmlns:a14="http://schemas.microsoft.com/office/drawing/2010/main" val="0"/>
+              </a:ext>
+            </a:extLst>
+          </a:blip>
+          <a:stretch>
+            <a:fillRect/>
+          </a:stretch>
+        </p:blipFill>
+        <p:spPr>
+          <a:xfrm>
+            <a:off x="457200" y="1231710"/>
+            <a:ext cx="8156512" cy="5393330"/>
+          </a:xfrm>
+          <a:prstGeom prst="rect">
+            <a:avLst/>
+          </a:prstGeom>
+        </p:spPr>
+      </p:pic>
     </p:spTree>
     <p:extLst>
       <p:ext uri="{BB962C8B-B14F-4D97-AF65-F5344CB8AC3E}">
